--- a/Film Type Recommendations for a New Movie.pptx
+++ b/Film Type Recommendations for a New Movie.pptx
@@ -110,6 +110,11 @@
       </a:defRPr>
     </a:lvl9pPr>
   </p:defaultTextStyle>
+  <p:extLst>
+    <p:ext uri="{EFAFB233-063F-42B5-8137-9DF3F51BA10A}">
+      <p15:sldGuideLst xmlns:p15="http://schemas.microsoft.com/office/powerpoint/2012/main"/>
+    </p:ext>
+  </p:extLst>
 </p:presentation>
 </file>
 
@@ -615,7 +620,7 @@
           <a:p>
             <a:fld id="{D25BDB12-CA26-49B2-8147-7D27ABC80BC5}" type="datetimeFigureOut">
               <a:rPr lang="en-GB" smtClean="0"/>
-              <a:t>10/06/2025</a:t>
+              <a:t>12/06/2025</a:t>
             </a:fld>
             <a:endParaRPr lang="en-GB"/>
           </a:p>
@@ -911,7 +916,7 @@
           <a:p>
             <a:fld id="{D25BDB12-CA26-49B2-8147-7D27ABC80BC5}" type="datetimeFigureOut">
               <a:rPr lang="en-GB" smtClean="0"/>
-              <a:t>10/06/2025</a:t>
+              <a:t>12/06/2025</a:t>
             </a:fld>
             <a:endParaRPr lang="en-GB"/>
           </a:p>
@@ -1159,7 +1164,7 @@
           <a:p>
             <a:fld id="{D25BDB12-CA26-49B2-8147-7D27ABC80BC5}" type="datetimeFigureOut">
               <a:rPr lang="en-GB" smtClean="0"/>
-              <a:t>10/06/2025</a:t>
+              <a:t>12/06/2025</a:t>
             </a:fld>
             <a:endParaRPr lang="en-GB"/>
           </a:p>
@@ -1699,7 +1704,7 @@
           <a:p>
             <a:fld id="{D25BDB12-CA26-49B2-8147-7D27ABC80BC5}" type="datetimeFigureOut">
               <a:rPr lang="en-GB" smtClean="0"/>
-              <a:t>10/06/2025</a:t>
+              <a:t>12/06/2025</a:t>
             </a:fld>
             <a:endParaRPr lang="en-GB"/>
           </a:p>
@@ -1947,7 +1952,7 @@
           <a:p>
             <a:fld id="{D25BDB12-CA26-49B2-8147-7D27ABC80BC5}" type="datetimeFigureOut">
               <a:rPr lang="en-GB" smtClean="0"/>
-              <a:t>10/06/2025</a:t>
+              <a:t>12/06/2025</a:t>
             </a:fld>
             <a:endParaRPr lang="en-GB"/>
           </a:p>
@@ -2479,7 +2484,7 @@
           <a:p>
             <a:fld id="{D25BDB12-CA26-49B2-8147-7D27ABC80BC5}" type="datetimeFigureOut">
               <a:rPr lang="en-GB" smtClean="0"/>
-              <a:t>10/06/2025</a:t>
+              <a:t>12/06/2025</a:t>
             </a:fld>
             <a:endParaRPr lang="en-GB"/>
           </a:p>
@@ -2776,7 +2781,7 @@
           <a:p>
             <a:fld id="{D25BDB12-CA26-49B2-8147-7D27ABC80BC5}" type="datetimeFigureOut">
               <a:rPr lang="en-GB" smtClean="0"/>
-              <a:t>10/06/2025</a:t>
+              <a:t>12/06/2025</a:t>
             </a:fld>
             <a:endParaRPr lang="en-GB"/>
           </a:p>
@@ -2950,7 +2955,7 @@
           <a:p>
             <a:fld id="{D25BDB12-CA26-49B2-8147-7D27ABC80BC5}" type="datetimeFigureOut">
               <a:rPr lang="en-GB" smtClean="0"/>
-              <a:t>10/06/2025</a:t>
+              <a:t>12/06/2025</a:t>
             </a:fld>
             <a:endParaRPr lang="en-GB"/>
           </a:p>
@@ -3130,7 +3135,7 @@
           <a:p>
             <a:fld id="{D25BDB12-CA26-49B2-8147-7D27ABC80BC5}" type="datetimeFigureOut">
               <a:rPr lang="en-GB" smtClean="0"/>
-              <a:t>10/06/2025</a:t>
+              <a:t>12/06/2025</a:t>
             </a:fld>
             <a:endParaRPr lang="en-GB"/>
           </a:p>
@@ -3300,7 +3305,7 @@
           <a:p>
             <a:fld id="{D25BDB12-CA26-49B2-8147-7D27ABC80BC5}" type="datetimeFigureOut">
               <a:rPr lang="en-GB" smtClean="0"/>
-              <a:t>10/06/2025</a:t>
+              <a:t>12/06/2025</a:t>
             </a:fld>
             <a:endParaRPr lang="en-GB"/>
           </a:p>
@@ -3551,7 +3556,7 @@
           <a:p>
             <a:fld id="{D25BDB12-CA26-49B2-8147-7D27ABC80BC5}" type="datetimeFigureOut">
               <a:rPr lang="en-GB" smtClean="0"/>
-              <a:t>10/06/2025</a:t>
+              <a:t>12/06/2025</a:t>
             </a:fld>
             <a:endParaRPr lang="en-GB"/>
           </a:p>
@@ -3848,7 +3853,7 @@
           <a:p>
             <a:fld id="{D25BDB12-CA26-49B2-8147-7D27ABC80BC5}" type="datetimeFigureOut">
               <a:rPr lang="en-GB" smtClean="0"/>
-              <a:t>10/06/2025</a:t>
+              <a:t>12/06/2025</a:t>
             </a:fld>
             <a:endParaRPr lang="en-GB"/>
           </a:p>
@@ -4290,7 +4295,7 @@
           <a:p>
             <a:fld id="{D25BDB12-CA26-49B2-8147-7D27ABC80BC5}" type="datetimeFigureOut">
               <a:rPr lang="en-GB" smtClean="0"/>
-              <a:t>10/06/2025</a:t>
+              <a:t>12/06/2025</a:t>
             </a:fld>
             <a:endParaRPr lang="en-GB"/>
           </a:p>
@@ -4408,7 +4413,7 @@
           <a:p>
             <a:fld id="{D25BDB12-CA26-49B2-8147-7D27ABC80BC5}" type="datetimeFigureOut">
               <a:rPr lang="en-GB" smtClean="0"/>
-              <a:t>10/06/2025</a:t>
+              <a:t>12/06/2025</a:t>
             </a:fld>
             <a:endParaRPr lang="en-GB"/>
           </a:p>
@@ -4503,7 +4508,7 @@
           <a:p>
             <a:fld id="{D25BDB12-CA26-49B2-8147-7D27ABC80BC5}" type="datetimeFigureOut">
               <a:rPr lang="en-GB" smtClean="0"/>
-              <a:t>10/06/2025</a:t>
+              <a:t>12/06/2025</a:t>
             </a:fld>
             <a:endParaRPr lang="en-GB"/>
           </a:p>
@@ -4786,7 +4791,7 @@
           <a:p>
             <a:fld id="{D25BDB12-CA26-49B2-8147-7D27ABC80BC5}" type="datetimeFigureOut">
               <a:rPr lang="en-GB" smtClean="0"/>
-              <a:t>10/06/2025</a:t>
+              <a:t>12/06/2025</a:t>
             </a:fld>
             <a:endParaRPr lang="en-GB"/>
           </a:p>
@@ -5077,7 +5082,7 @@
           <a:p>
             <a:fld id="{D25BDB12-CA26-49B2-8147-7D27ABC80BC5}" type="datetimeFigureOut">
               <a:rPr lang="en-GB" smtClean="0"/>
-              <a:t>10/06/2025</a:t>
+              <a:t>12/06/2025</a:t>
             </a:fld>
             <a:endParaRPr lang="en-GB"/>
           </a:p>
@@ -5607,7 +5612,7 @@
           <a:p>
             <a:fld id="{D25BDB12-CA26-49B2-8147-7D27ABC80BC5}" type="datetimeFigureOut">
               <a:rPr lang="en-GB" smtClean="0"/>
-              <a:t>10/06/2025</a:t>
+              <a:t>12/06/2025</a:t>
             </a:fld>
             <a:endParaRPr lang="en-GB"/>
           </a:p>
@@ -6751,7 +6756,12 @@
             <p:ph type="title"/>
           </p:nvPr>
         </p:nvSpPr>
-        <p:spPr/>
+        <p:spPr>
+          <a:xfrm>
+            <a:off x="1633778" y="677007"/>
+            <a:ext cx="10018713" cy="1752599"/>
+          </a:xfrm>
+        </p:spPr>
         <p:txBody>
           <a:bodyPr>
             <a:normAutofit/>
@@ -6760,7 +6770,7 @@
           <a:p>
             <a:r>
               <a:rPr lang="en-GB" sz="2800" dirty="0" smtClean="0"/>
-              <a:t>Data Analysis</a:t>
+              <a:t>Recommendations</a:t>
             </a:r>
             <a:endParaRPr lang="en-GB" sz="2800" dirty="0"/>
           </a:p>
@@ -6776,7 +6786,12 @@
             <p:ph idx="1"/>
           </p:nvPr>
         </p:nvSpPr>
-        <p:spPr/>
+        <p:spPr>
+          <a:xfrm>
+            <a:off x="1484310" y="1881555"/>
+            <a:ext cx="10018713" cy="3909646"/>
+          </a:xfrm>
+        </p:spPr>
         <p:txBody>
           <a:bodyPr>
             <a:normAutofit/>
@@ -6784,10 +6799,79 @@
           <a:lstStyle/>
           <a:p>
             <a:r>
+              <a:rPr lang="en-GB" sz="1800" dirty="0"/>
+              <a:t>Recommendation 1 - Short </a:t>
+            </a:r>
+            <a:r>
               <a:rPr lang="en-GB" sz="1800" dirty="0" smtClean="0"/>
-              <a:t>Recommendations</a:t>
-            </a:r>
-            <a:endParaRPr lang="en-GB" sz="1800" dirty="0"/>
+              <a:t>movie genre </a:t>
+            </a:r>
+            <a:r>
+              <a:rPr lang="en-GB" sz="1800" dirty="0"/>
+              <a:t>are recommended as they have a </a:t>
+            </a:r>
+            <a:r>
+              <a:rPr lang="en-GB" sz="1800" dirty="0" smtClean="0"/>
+              <a:t>higher </a:t>
+            </a:r>
+            <a:r>
+              <a:rPr lang="en-GB" sz="1800" dirty="0"/>
+              <a:t>rating</a:t>
+            </a:r>
+            <a:r>
+              <a:rPr lang="en-GB" sz="1800" dirty="0" smtClean="0"/>
+              <a:t>.</a:t>
+            </a:r>
+          </a:p>
+          <a:p>
+            <a:r>
+              <a:rPr lang="en-GB" sz="1800" dirty="0"/>
+              <a:t>Recommendation </a:t>
+            </a:r>
+            <a:r>
+              <a:rPr lang="en-GB" sz="1800" dirty="0" smtClean="0"/>
+              <a:t>2 - Creation </a:t>
+            </a:r>
+            <a:r>
+              <a:rPr lang="en-GB" sz="1800" dirty="0"/>
+              <a:t>of movies with a runtime of 120-150 minutes as they are more commercially viable</a:t>
+            </a:r>
+            <a:r>
+              <a:rPr lang="en-GB" sz="1800" dirty="0" smtClean="0"/>
+              <a:t>.</a:t>
+            </a:r>
+          </a:p>
+          <a:p>
+            <a:r>
+              <a:rPr lang="en-GB" sz="1800" dirty="0"/>
+              <a:t>Recommendation </a:t>
+            </a:r>
+            <a:r>
+              <a:rPr lang="en-GB" sz="1800" dirty="0" smtClean="0"/>
+              <a:t>3 </a:t>
+            </a:r>
+            <a:r>
+              <a:rPr lang="en-GB" sz="1800" smtClean="0"/>
+              <a:t>- </a:t>
+            </a:r>
+            <a:r>
+              <a:rPr lang="en-GB" sz="1800"/>
+              <a:t>C</a:t>
+            </a:r>
+            <a:r>
+              <a:rPr lang="en-GB" sz="1800" smtClean="0"/>
+              <a:t>reation </a:t>
+            </a:r>
+            <a:r>
+              <a:rPr lang="en-GB" sz="1800" dirty="0"/>
+              <a:t>of movies of Western, Sport and Animation genre as they generate significantly higher revenue compared to other genres.</a:t>
+            </a:r>
+          </a:p>
+          <a:p>
+            <a:endParaRPr lang="en-GB" dirty="0"/>
+          </a:p>
+          <a:p>
+            <a:endParaRPr lang="en-GB" dirty="0"/>
           </a:p>
         </p:txBody>
       </p:sp>
